--- a/outputs/slides/monil_Deep-Learning.pptx
+++ b/outputs/slides/monil_Deep-Learning.pptx
@@ -12,6 +12,9 @@
     <p:sldId id="260" r:id="rId11"/>
     <p:sldId id="261" r:id="rId12"/>
     <p:sldId id="262" r:id="rId13"/>
+    <p:sldId id="263" r:id="rId14"/>
+    <p:sldId id="264" r:id="rId15"/>
+    <p:sldId id="265" r:id="rId16"/>
   </p:sldIdLst>
   <p:sldSz cx="9144000" cy="6858000" type="screen4x3"/>
   <p:notesSz cx="6858000" cy="9144000"/>
@@ -3090,7 +3093,7 @@
     <p:bg>
       <p:bgPr>
         <a:solidFill>
-          <a:srgbClr val="DEEDFF"/>
+          <a:srgbClr val="FFFFFF"/>
         </a:solidFill>
         <a:effectLst/>
       </p:bgPr>
@@ -3118,10 +3121,14 @@
           <a:lstStyle/>
           <a:p>
             <a:pPr algn="ctr">
-              <a:defRPr sz="4400" b="1"/>
-            </a:pPr>
-            <a:r>
-              <a:t>Understanding Deep Learning: Concepts, Working, Applications, and Limitations</a:t>
+              <a:defRPr b="1" sz="4400">
+                <a:solidFill>
+                  <a:srgbClr val="1E40AF"/>
+                </a:solidFill>
+              </a:defRPr>
+            </a:pPr>
+            <a:r>
+              <a:t>Understanding Deep Learning</a:t>
             </a:r>
           </a:p>
         </p:txBody>
@@ -3142,10 +3149,96 @@
           <a:lstStyle/>
           <a:p>
             <a:pPr algn="ctr">
-              <a:defRPr sz="2400" i="1"/>
-            </a:pPr>
-            <a:r>
-              <a:t>Deep Learning Definition, Machine Learning vs. Deep Learning, Artificial Neural Networks, Working of Neural Networks, Applications of Deep Learning, Limitations of Deep Learning, Deep Learning Framewo</a:t>
+              <a:defRPr sz="2400" i="1">
+                <a:solidFill>
+                  <a:srgbClr val="6B7280"/>
+                </a:solidFill>
+              </a:defRPr>
+            </a:pPr>
+            <a:r>
+              <a:t>Deep Learning • Machine Learning • Artificial Intelligence</a:t>
+            </a:r>
+          </a:p>
+        </p:txBody>
+      </p:sp>
+    </p:spTree>
+  </p:cSld>
+  <p:clrMapOvr>
+    <a:masterClrMapping/>
+  </p:clrMapOvr>
+</p:sld>
+</file>
+
+<file path=ppt/slides/slide10.xml><?xml version="1.0" encoding="utf-8"?>
+<p:sld xmlns:a="http://schemas.openxmlformats.org/drawingml/2006/main" xmlns:p="http://schemas.openxmlformats.org/presentationml/2006/main" xmlns:r="http://schemas.openxmlformats.org/officeDocument/2006/relationships">
+  <p:cSld>
+    <p:bg>
+      <p:bgPr>
+        <a:solidFill>
+          <a:srgbClr val="FFFFFF"/>
+        </a:solidFill>
+        <a:effectLst/>
+      </p:bgPr>
+    </p:bg>
+    <p:spTree>
+      <p:nvGrpSpPr>
+        <p:cNvPr id="1" name=""/>
+        <p:cNvGrpSpPr/>
+        <p:nvPr/>
+      </p:nvGrpSpPr>
+      <p:grpSpPr/>
+      <p:sp>
+        <p:nvSpPr>
+          <p:cNvPr id="2" name="Title 1"/>
+          <p:cNvSpPr>
+            <a:spLocks noGrp="1"/>
+          </p:cNvSpPr>
+          <p:nvPr>
+            <p:ph type="ctrTitle"/>
+          </p:nvPr>
+        </p:nvSpPr>
+        <p:spPr/>
+        <p:txBody>
+          <a:bodyPr/>
+          <a:lstStyle/>
+          <a:p>
+            <a:pPr>
+              <a:defRPr sz="4400">
+                <a:solidFill>
+                  <a:srgbClr val="1E40AF"/>
+                </a:solidFill>
+              </a:defRPr>
+            </a:pPr>
+            <a:r>
+              <a:t>Thank You</a:t>
+            </a:r>
+          </a:p>
+        </p:txBody>
+      </p:sp>
+      <p:sp>
+        <p:nvSpPr>
+          <p:cNvPr id="3" name="Subtitle 2"/>
+          <p:cNvSpPr>
+            <a:spLocks noGrp="1"/>
+          </p:cNvSpPr>
+          <p:nvPr>
+            <p:ph type="subTitle" idx="1"/>
+          </p:nvPr>
+        </p:nvSpPr>
+        <p:spPr/>
+        <p:txBody>
+          <a:bodyPr/>
+          <a:lstStyle/>
+          <a:p>
+            <a:pPr>
+              <a:defRPr sz="2400">
+                <a:solidFill>
+                  <a:srgbClr val="6B7280"/>
+                </a:solidFill>
+              </a:defRPr>
+            </a:pPr>
+            <a:r>
+              <a:t>Questions?</a:t>
             </a:r>
           </a:p>
         </p:txBody>
@@ -3161,6 +3254,14 @@
 <file path=ppt/slides/slide2.xml><?xml version="1.0" encoding="utf-8"?>
 <p:sld xmlns:a="http://schemas.openxmlformats.org/drawingml/2006/main" xmlns:p="http://schemas.openxmlformats.org/presentationml/2006/main" xmlns:r="http://schemas.openxmlformats.org/officeDocument/2006/relationships">
   <p:cSld>
+    <p:bg>
+      <p:bgPr>
+        <a:solidFill>
+          <a:srgbClr val="FFFFFF"/>
+        </a:solidFill>
+        <a:effectLst/>
+      </p:bgPr>
+    </p:bg>
     <p:spTree>
       <p:nvGrpSpPr>
         <p:cNvPr id="1" name=""/>
@@ -3183,15 +3284,15 @@
           <a:bodyPr/>
           <a:lstStyle/>
           <a:p>
-            <a:pPr algn="l">
-              <a:defRPr sz="3200" b="1">
-                <a:solidFill>
-                  <a:srgbClr val="000000"/>
-                </a:solidFill>
-              </a:defRPr>
-            </a:pPr>
-            <a:r>
-              <a:t>Introduction to Deep Learning</a:t>
+            <a:pPr>
+              <a:defRPr sz="3200">
+                <a:solidFill>
+                  <a:srgbClr val="1E40AF"/>
+                </a:solidFill>
+              </a:defRPr>
+            </a:pPr>
+            <a:r>
+              <a:t>Lecture Agenda</a:t>
             </a:r>
           </a:p>
         </p:txBody>
@@ -3212,62 +3313,92 @@
           <a:lstStyle/>
           <a:p>
             <a:pPr>
-              <a:defRPr sz="2200">
-                <a:solidFill>
-                  <a:srgbClr val="003366"/>
-                </a:solidFill>
-              </a:defRPr>
-            </a:pPr>
-            <a:r>
-              <a:t>Deep learning powers advanced functionalities like language translation and image grouping.</a:t>
+              <a:spcAft>
+                <a:spcPts val="800"/>
+              </a:spcAft>
+              <a:defRPr sz="2000">
+                <a:solidFill>
+                  <a:srgbClr val="374151"/>
+                </a:solidFill>
+              </a:defRPr>
+            </a:pPr>
+            <a:r>
+              <a:t>1. Introduction to Deep Learning</a:t>
             </a:r>
           </a:p>
           <a:p>
             <a:pPr>
-              <a:defRPr sz="2200">
-                <a:solidFill>
-                  <a:srgbClr val="003366"/>
-                </a:solidFill>
-              </a:defRPr>
-            </a:pPr>
-            <a:r>
-              <a:t>It is a subset of machine learning, which is a subset of artificial intelligence.</a:t>
+              <a:spcAft>
+                <a:spcPts val="800"/>
+              </a:spcAft>
+              <a:defRPr sz="2000">
+                <a:solidFill>
+                  <a:srgbClr val="374151"/>
+                </a:solidFill>
+              </a:defRPr>
+            </a:pPr>
+            <a:r>
+              <a:t>2. Deep Learning vs. Machine Learning</a:t>
             </a:r>
           </a:p>
           <a:p>
             <a:pPr>
-              <a:defRPr sz="2200">
-                <a:solidFill>
-                  <a:srgbClr val="003366"/>
-                </a:solidFill>
-              </a:defRPr>
-            </a:pPr>
-            <a:r>
-              <a:t>AI enables machines to mimic human behavior.</a:t>
+              <a:spcAft>
+                <a:spcPts val="800"/>
+              </a:spcAft>
+              <a:defRPr sz="2000">
+                <a:solidFill>
+                  <a:srgbClr val="374151"/>
+                </a:solidFill>
+              </a:defRPr>
+            </a:pPr>
+            <a:r>
+              <a:t>3. How Neural Networks Work</a:t>
             </a:r>
           </a:p>
           <a:p>
             <a:pPr>
-              <a:defRPr sz="2200">
-                <a:solidFill>
-                  <a:srgbClr val="003366"/>
-                </a:solidFill>
-              </a:defRPr>
-            </a:pPr>
-            <a:r>
-              <a:t>Machine learning achieves AI through algorithms trained with data.</a:t>
+              <a:spcAft>
+                <a:spcPts val="800"/>
+              </a:spcAft>
+              <a:defRPr sz="2000">
+                <a:solidFill>
+                  <a:srgbClr val="374151"/>
+                </a:solidFill>
+              </a:defRPr>
+            </a:pPr>
+            <a:r>
+              <a:t>4. Applications of Deep Learning</a:t>
             </a:r>
           </a:p>
           <a:p>
             <a:pPr>
-              <a:defRPr sz="2200">
-                <a:solidFill>
-                  <a:srgbClr val="003366"/>
-                </a:solidFill>
-              </a:defRPr>
-            </a:pPr>
-            <a:r>
-              <a:t>Deep learning is a type of machine learning inspired by the human brain's structure, called an artificial neural network.</a:t>
+              <a:spcAft>
+                <a:spcPts val="800"/>
+              </a:spcAft>
+              <a:defRPr sz="2000">
+                <a:solidFill>
+                  <a:srgbClr val="374151"/>
+                </a:solidFill>
+              </a:defRPr>
+            </a:pPr>
+            <a:r>
+              <a:t>5. Limitations of Deep Learning</a:t>
+            </a:r>
+          </a:p>
+          <a:p>
+            <a:pPr>
+              <a:spcAft>
+                <a:spcPts val="800"/>
+              </a:spcAft>
+              <a:defRPr sz="2000">
+                <a:solidFill>
+                  <a:srgbClr val="374151"/>
+                </a:solidFill>
+              </a:defRPr>
+            </a:pPr>
+            <a:r>
+              <a:t>6. Frameworks and Future Outlook</a:t>
             </a:r>
           </a:p>
         </p:txBody>
@@ -3283,6 +3414,14 @@
 <file path=ppt/slides/slide3.xml><?xml version="1.0" encoding="utf-8"?>
 <p:sld xmlns:a="http://schemas.openxmlformats.org/drawingml/2006/main" xmlns:p="http://schemas.openxmlformats.org/presentationml/2006/main" xmlns:r="http://schemas.openxmlformats.org/officeDocument/2006/relationships">
   <p:cSld>
+    <p:bg>
+      <p:bgPr>
+        <a:solidFill>
+          <a:srgbClr val="FFFFFF"/>
+        </a:solidFill>
+        <a:effectLst/>
+      </p:bgPr>
+    </p:bg>
     <p:spTree>
       <p:nvGrpSpPr>
         <p:cNvPr id="1" name=""/>
@@ -3305,15 +3444,15 @@
           <a:bodyPr/>
           <a:lstStyle/>
           <a:p>
-            <a:pPr algn="l">
-              <a:defRPr sz="3200" b="1">
-                <a:solidFill>
-                  <a:srgbClr val="000000"/>
-                </a:solidFill>
-              </a:defRPr>
-            </a:pPr>
-            <a:r>
-              <a:t>Deep Learning vs. Machine Learning</a:t>
+            <a:pPr>
+              <a:defRPr sz="3200">
+                <a:solidFill>
+                  <a:srgbClr val="1E40AF"/>
+                </a:solidFill>
+              </a:defRPr>
+            </a:pPr>
+            <a:r>
+              <a:t>Lecture Topics</a:t>
             </a:r>
           </a:p>
         </p:txBody>
@@ -3334,50 +3473,107 @@
           <a:lstStyle/>
           <a:p>
             <a:pPr>
-              <a:defRPr sz="2200">
-                <a:solidFill>
-                  <a:srgbClr val="003366"/>
-                </a:solidFill>
-              </a:defRPr>
-            </a:pPr>
-            <a:r>
-              <a:t>Example: Differentiating tomatoes and cherries.</a:t>
+              <a:spcAft>
+                <a:spcPts val="800"/>
+              </a:spcAft>
+              <a:defRPr sz="2000">
+                <a:solidFill>
+                  <a:srgbClr val="374151"/>
+                </a:solidFill>
+              </a:defRPr>
+            </a:pPr>
+            <a:r>
+              <a:t>Deep Learning</a:t>
             </a:r>
           </a:p>
           <a:p>
             <a:pPr>
-              <a:defRPr sz="2200">
-                <a:solidFill>
-                  <a:srgbClr val="003366"/>
-                </a:solidFill>
-              </a:defRPr>
-            </a:pPr>
-            <a:r>
-              <a:t>Machine learning requires humans to define differentiating features (e.g., size, stem type).</a:t>
+              <a:spcAft>
+                <a:spcPts val="800"/>
+              </a:spcAft>
+              <a:defRPr sz="2000">
+                <a:solidFill>
+                  <a:srgbClr val="374151"/>
+                </a:solidFill>
+              </a:defRPr>
+            </a:pPr>
+            <a:r>
+              <a:t>Machine Learning</a:t>
             </a:r>
           </a:p>
           <a:p>
             <a:pPr>
-              <a:defRPr sz="2200">
-                <a:solidFill>
-                  <a:srgbClr val="003366"/>
-                </a:solidFill>
-              </a:defRPr>
-            </a:pPr>
-            <a:r>
-              <a:t>Deep learning neural networks automatically pick out features without human intervention.</a:t>
+              <a:spcAft>
+                <a:spcPts val="800"/>
+              </a:spcAft>
+              <a:defRPr sz="2000">
+                <a:solidFill>
+                  <a:srgbClr val="374151"/>
+                </a:solidFill>
+              </a:defRPr>
+            </a:pPr>
+            <a:r>
+              <a:t>Artificial Intelligence</a:t>
             </a:r>
           </a:p>
           <a:p>
             <a:pPr>
-              <a:defRPr sz="2200">
-                <a:solidFill>
-                  <a:srgbClr val="003366"/>
-                </a:solidFill>
-              </a:defRPr>
-            </a:pPr>
-            <a:r>
-              <a:t>This independence comes at the cost of requiring a much higher volume of data for training.</a:t>
+              <a:spcAft>
+                <a:spcPts val="800"/>
+              </a:spcAft>
+              <a:defRPr sz="2000">
+                <a:solidFill>
+                  <a:srgbClr val="374151"/>
+                </a:solidFill>
+              </a:defRPr>
+            </a:pPr>
+            <a:r>
+              <a:t>Neural Networks</a:t>
+            </a:r>
+          </a:p>
+          <a:p>
+            <a:pPr>
+              <a:spcAft>
+                <a:spcPts val="800"/>
+              </a:spcAft>
+              <a:defRPr sz="2000">
+                <a:solidFill>
+                  <a:srgbClr val="374151"/>
+                </a:solidFill>
+              </a:defRPr>
+            </a:pPr>
+            <a:r>
+              <a:t>Applications of Deep Learning</a:t>
+            </a:r>
+          </a:p>
+          <a:p>
+            <a:pPr>
+              <a:spcAft>
+                <a:spcPts val="800"/>
+              </a:spcAft>
+              <a:defRPr sz="2000">
+                <a:solidFill>
+                  <a:srgbClr val="374151"/>
+                </a:solidFill>
+              </a:defRPr>
+            </a:pPr>
+            <a:r>
+              <a:t>Limitations of Deep Learning</a:t>
+            </a:r>
+          </a:p>
+          <a:p>
+            <a:pPr>
+              <a:spcAft>
+                <a:spcPts val="800"/>
+              </a:spcAft>
+              <a:defRPr sz="2000">
+                <a:solidFill>
+                  <a:srgbClr val="374151"/>
+                </a:solidFill>
+              </a:defRPr>
+            </a:pPr>
+            <a:r>
+              <a:t>Deep Learning Frameworks</a:t>
             </a:r>
           </a:p>
         </p:txBody>
@@ -3393,6 +3589,14 @@
 <file path=ppt/slides/slide4.xml><?xml version="1.0" encoding="utf-8"?>
 <p:sld xmlns:a="http://schemas.openxmlformats.org/drawingml/2006/main" xmlns:p="http://schemas.openxmlformats.org/presentationml/2006/main" xmlns:r="http://schemas.openxmlformats.org/officeDocument/2006/relationships">
   <p:cSld>
+    <p:bg>
+      <p:bgPr>
+        <a:solidFill>
+          <a:srgbClr val="FFFFFF"/>
+        </a:solidFill>
+        <a:effectLst/>
+      </p:bgPr>
+    </p:bg>
     <p:spTree>
       <p:nvGrpSpPr>
         <p:cNvPr id="1" name=""/>
@@ -3416,14 +3620,14 @@
           <a:lstStyle/>
           <a:p>
             <a:pPr algn="l">
-              <a:defRPr sz="3200" b="1">
-                <a:solidFill>
-                  <a:srgbClr val="000000"/>
-                </a:solidFill>
-              </a:defRPr>
-            </a:pPr>
-            <a:r>
-              <a:t>How Neural Networks Work</a:t>
+              <a:defRPr b="1" sz="3200">
+                <a:solidFill>
+                  <a:srgbClr val="1E40AF"/>
+                </a:solidFill>
+              </a:defRPr>
+            </a:pPr>
+            <a:r>
+              <a:t>Introduction to Deep Learning</a:t>
             </a:r>
           </a:p>
         </p:txBody>
@@ -3444,86 +3648,62 @@
           <a:lstStyle/>
           <a:p>
             <a:pPr>
-              <a:defRPr sz="2200">
-                <a:solidFill>
-                  <a:srgbClr val="003366"/>
-                </a:solidFill>
-              </a:defRPr>
-            </a:pPr>
-            <a:r>
-              <a:t>Neural networks identify patterns, like handwritten digits, which humans easily recognize.</a:t>
+              <a:spcAft>
+                <a:spcPts val="800"/>
+              </a:spcAft>
+              <a:defRPr sz="2000">
+                <a:solidFill>
+                  <a:srgbClr val="374151"/>
+                </a:solidFill>
+              </a:defRPr>
+            </a:pPr>
+            <a:r>
+              <a:t>Deep learning powers features like Google Translate and image grouping.</a:t>
             </a:r>
           </a:p>
           <a:p>
             <a:pPr>
-              <a:defRPr sz="2200">
-                <a:solidFill>
-                  <a:srgbClr val="003366"/>
-                </a:solidFill>
-              </a:defRPr>
-            </a:pPr>
-            <a:r>
-              <a:t>An image (e.g., 28x28 pixels) is broken down into individual pixels (784 in this case).</a:t>
+              <a:spcAft>
+                <a:spcPts val="800"/>
+              </a:spcAft>
+              <a:defRPr sz="2000">
+                <a:solidFill>
+                  <a:srgbClr val="374151"/>
+                </a:solidFill>
+              </a:defRPr>
+            </a:pPr>
+            <a:r>
+              <a:t>It is a subset of machine learning, which is a subset of artificial intelligence.</a:t>
             </a:r>
           </a:p>
           <a:p>
             <a:pPr>
-              <a:defRPr sz="2200">
-                <a:solidFill>
-                  <a:srgbClr val="003366"/>
-                </a:solidFill>
-              </a:defRPr>
-            </a:pPr>
-            <a:r>
-              <a:t>Each pixel is fed to a neuron in the input layer of the neural network.</a:t>
+              <a:spcAft>
+                <a:spcPts val="800"/>
+              </a:spcAft>
+              <a:defRPr sz="2000">
+                <a:solidFill>
+                  <a:srgbClr val="374151"/>
+                </a:solidFill>
+              </a:defRPr>
+            </a:pPr>
+            <a:r>
+              <a:t>AI mimics human behavior, and ML achieves AI through data-trained algorithms.</a:t>
             </a:r>
           </a:p>
           <a:p>
             <a:pPr>
-              <a:defRPr sz="2200">
-                <a:solidFill>
-                  <a:srgbClr val="003366"/>
-                </a:solidFill>
-              </a:defRPr>
-            </a:pPr>
-            <a:r>
-              <a:t>Information passes through hidden layers to an output layer, where each neuron represents a digit.</a:t>
-            </a:r>
-          </a:p>
-          <a:p>
-            <a:pPr>
-              <a:defRPr sz="2200">
-                <a:solidFill>
-                  <a:srgbClr val="003366"/>
-                </a:solidFill>
-              </a:defRPr>
-            </a:pPr>
-            <a:r>
-              <a:t>Information transfer occurs via weighted channels, and neurons have a unique bias.</a:t>
-            </a:r>
-          </a:p>
-          <a:p>
-            <a:pPr>
-              <a:defRPr sz="2200">
-                <a:solidFill>
-                  <a:srgbClr val="003366"/>
-                </a:solidFill>
-              </a:defRPr>
-            </a:pPr>
-            <a:r>
-              <a:t>The weighted sum of inputs plus bias is fed to an activation function, determining neuron activation and information flow.</a:t>
-            </a:r>
-          </a:p>
-          <a:p>
-            <a:pPr>
-              <a:defRPr sz="2200">
-                <a:solidFill>
-                  <a:srgbClr val="003366"/>
-                </a:solidFill>
-              </a:defRPr>
-            </a:pPr>
-            <a:r>
-              <a:t>The network continuously adjusts weights and biases to improve accuracy.</a:t>
+              <a:spcAft>
+                <a:spcPts val="800"/>
+              </a:spcAft>
+              <a:defRPr sz="2000">
+                <a:solidFill>
+                  <a:srgbClr val="374151"/>
+                </a:solidFill>
+              </a:defRPr>
+            </a:pPr>
+            <a:r>
+              <a:t>Deep learning is inspired by the human brain's structure, called an artificial neural network.</a:t>
             </a:r>
           </a:p>
         </p:txBody>
@@ -3539,6 +3719,14 @@
 <file path=ppt/slides/slide5.xml><?xml version="1.0" encoding="utf-8"?>
 <p:sld xmlns:a="http://schemas.openxmlformats.org/drawingml/2006/main" xmlns:p="http://schemas.openxmlformats.org/presentationml/2006/main" xmlns:r="http://schemas.openxmlformats.org/officeDocument/2006/relationships">
   <p:cSld>
+    <p:bg>
+      <p:bgPr>
+        <a:solidFill>
+          <a:srgbClr val="FFFFFF"/>
+        </a:solidFill>
+        <a:effectLst/>
+      </p:bgPr>
+    </p:bg>
     <p:spTree>
       <p:nvGrpSpPr>
         <p:cNvPr id="1" name=""/>
@@ -3562,14 +3750,14 @@
           <a:lstStyle/>
           <a:p>
             <a:pPr algn="l">
-              <a:defRPr sz="3200" b="1">
-                <a:solidFill>
-                  <a:srgbClr val="000000"/>
-                </a:solidFill>
-              </a:defRPr>
-            </a:pPr>
-            <a:r>
-              <a:t>Applications of Deep Learning</a:t>
+              <a:defRPr b="1" sz="3200">
+                <a:solidFill>
+                  <a:srgbClr val="1E40AF"/>
+                </a:solidFill>
+              </a:defRPr>
+            </a:pPr>
+            <a:r>
+              <a:t>Deep Learning vs. Machine Learning</a:t>
             </a:r>
           </a:p>
         </p:txBody>
@@ -3590,38 +3778,62 @@
           <a:lstStyle/>
           <a:p>
             <a:pPr>
-              <a:defRPr sz="2200">
-                <a:solidFill>
-                  <a:srgbClr val="003366"/>
-                </a:solidFill>
-              </a:defRPr>
-            </a:pPr>
-            <a:r>
-              <a:t>Customer support: AI bots provide realistic conversations.</a:t>
+              <a:spcAft>
+                <a:spcPts val="800"/>
+              </a:spcAft>
+              <a:defRPr sz="2000">
+                <a:solidFill>
+                  <a:srgbClr val="374151"/>
+                </a:solidFill>
+              </a:defRPr>
+            </a:pPr>
+            <a:r>
+              <a:t>Example: Differentiating tomatoes and cherries.</a:t>
             </a:r>
           </a:p>
           <a:p>
             <a:pPr>
-              <a:defRPr sz="2200">
-                <a:solidFill>
-                  <a:srgbClr val="003366"/>
-                </a:solidFill>
-              </a:defRPr>
-            </a:pPr>
-            <a:r>
-              <a:t>Medical care: Neural networks detect cancer cells and analyze MRI images.</a:t>
+              <a:spcAft>
+                <a:spcPts val="800"/>
+              </a:spcAft>
+              <a:defRPr sz="2000">
+                <a:solidFill>
+                  <a:srgbClr val="374151"/>
+                </a:solidFill>
+              </a:defRPr>
+            </a:pPr>
+            <a:r>
+              <a:t>Machine learning requires humans to define features for differentiation (e.g., size, stem).</a:t>
             </a:r>
           </a:p>
           <a:p>
             <a:pPr>
-              <a:defRPr sz="2200">
-                <a:solidFill>
-                  <a:srgbClr val="003366"/>
-                </a:solidFill>
-              </a:defRPr>
-            </a:pPr>
-            <a:r>
-              <a:t>Self-driving cars: Companies like Apple, Tesla, and Nissan are developing autonomous vehicles.</a:t>
+              <a:spcAft>
+                <a:spcPts val="800"/>
+              </a:spcAft>
+              <a:defRPr sz="2000">
+                <a:solidFill>
+                  <a:srgbClr val="374151"/>
+                </a:solidFill>
+              </a:defRPr>
+            </a:pPr>
+            <a:r>
+              <a:t>Deep learning neural networks automatically pick out features without human intervention.</a:t>
+            </a:r>
+          </a:p>
+          <a:p>
+            <a:pPr>
+              <a:spcAft>
+                <a:spcPts val="800"/>
+              </a:spcAft>
+              <a:defRPr sz="2000">
+                <a:solidFill>
+                  <a:srgbClr val="374151"/>
+                </a:solidFill>
+              </a:defRPr>
+            </a:pPr>
+            <a:r>
+              <a:t>Deep learning requires a significantly higher volume of data for training.</a:t>
             </a:r>
           </a:p>
         </p:txBody>
@@ -3637,6 +3849,14 @@
 <file path=ppt/slides/slide6.xml><?xml version="1.0" encoding="utf-8"?>
 <p:sld xmlns:a="http://schemas.openxmlformats.org/drawingml/2006/main" xmlns:p="http://schemas.openxmlformats.org/presentationml/2006/main" xmlns:r="http://schemas.openxmlformats.org/officeDocument/2006/relationships">
   <p:cSld>
+    <p:bg>
+      <p:bgPr>
+        <a:solidFill>
+          <a:srgbClr val="FFFFFF"/>
+        </a:solidFill>
+        <a:effectLst/>
+      </p:bgPr>
+    </p:bg>
     <p:spTree>
       <p:nvGrpSpPr>
         <p:cNvPr id="1" name=""/>
@@ -3660,14 +3880,14 @@
           <a:lstStyle/>
           <a:p>
             <a:pPr algn="l">
-              <a:defRPr sz="3200" b="1">
-                <a:solidFill>
-                  <a:srgbClr val="000000"/>
-                </a:solidFill>
-              </a:defRPr>
-            </a:pPr>
-            <a:r>
-              <a:t>Limitations of Deep Learning</a:t>
+              <a:defRPr b="1" sz="3200">
+                <a:solidFill>
+                  <a:srgbClr val="1E40AF"/>
+                </a:solidFill>
+              </a:defRPr>
+            </a:pPr>
+            <a:r>
+              <a:t>How Neural Networks Work</a:t>
             </a:r>
           </a:p>
         </p:txBody>
@@ -3688,38 +3908,92 @@
           <a:lstStyle/>
           <a:p>
             <a:pPr>
-              <a:defRPr sz="2200">
-                <a:solidFill>
-                  <a:srgbClr val="003366"/>
-                </a:solidFill>
-              </a:defRPr>
-            </a:pPr>
-            <a:r>
-              <a:t>Data volume: Neural networks require a massive amount of data for training, especially for unstructured data.</a:t>
+              <a:spcAft>
+                <a:spcPts val="800"/>
+              </a:spcAft>
+              <a:defRPr sz="2000">
+                <a:solidFill>
+                  <a:srgbClr val="374151"/>
+                </a:solidFill>
+              </a:defRPr>
+            </a:pPr>
+            <a:r>
+              <a:t>Example: Recognizing handwritten digits (e.g., digit nine).</a:t>
             </a:r>
           </a:p>
           <a:p>
             <a:pPr>
-              <a:defRPr sz="2200">
-                <a:solidFill>
-                  <a:srgbClr val="003366"/>
-                </a:solidFill>
-              </a:defRPr>
-            </a:pPr>
-            <a:r>
-              <a:t>Computational power: Training requires powerful graphical processing units (GPUs) with thousands of cores, which are expensive.</a:t>
+              <a:spcAft>
+                <a:spcPts val="800"/>
+              </a:spcAft>
+              <a:defRPr sz="2000">
+                <a:solidFill>
+                  <a:srgbClr val="374151"/>
+                </a:solidFill>
+              </a:defRPr>
+            </a:pPr>
+            <a:r>
+              <a:t>Images are broken into pixels (e.g., 28x28 pixels = 784 pixels).</a:t>
             </a:r>
           </a:p>
           <a:p>
             <a:pPr>
-              <a:defRPr sz="2200">
-                <a:solidFill>
-                  <a:srgbClr val="003366"/>
-                </a:solidFill>
-              </a:defRPr>
-            </a:pPr>
-            <a:r>
-              <a:t>Training time: Deep neural networks can take hours or even months to train, depending on data volume and network complexity.</a:t>
+              <a:spcAft>
+                <a:spcPts val="800"/>
+              </a:spcAft>
+              <a:defRPr sz="2000">
+                <a:solidFill>
+                  <a:srgbClr val="374151"/>
+                </a:solidFill>
+              </a:defRPr>
+            </a:pPr>
+            <a:r>
+              <a:t>Each pixel feeds into a neuron in the input layer of the neural network.</a:t>
+            </a:r>
+          </a:p>
+          <a:p>
+            <a:pPr>
+              <a:spcAft>
+                <a:spcPts val="800"/>
+              </a:spcAft>
+              <a:defRPr sz="2000">
+                <a:solidFill>
+                  <a:srgbClr val="374151"/>
+                </a:solidFill>
+              </a:defRPr>
+            </a:pPr>
+            <a:r>
+              <a:t>Information passes through weighted channels between input, hidden, and output layers.</a:t>
+            </a:r>
+          </a:p>
+          <a:p>
+            <a:pPr>
+              <a:spcAft>
+                <a:spcPts val="800"/>
+              </a:spcAft>
+              <a:defRPr sz="2000">
+                <a:solidFill>
+                  <a:srgbClr val="374151"/>
+                </a:solidFill>
+              </a:defRPr>
+            </a:pPr>
+            <a:r>
+              <a:t>Bias is added to the weighted sum of inputs, then applied to an activation function.</a:t>
+            </a:r>
+          </a:p>
+          <a:p>
+            <a:pPr>
+              <a:spcAft>
+                <a:spcPts val="800"/>
+              </a:spcAft>
+              <a:defRPr sz="2000">
+                <a:solidFill>
+                  <a:srgbClr val="374151"/>
+                </a:solidFill>
+              </a:defRPr>
+            </a:pPr>
+            <a:r>
+              <a:t>Activated neurons pass information to subsequent layers until the output layer identifies the digit.</a:t>
             </a:r>
           </a:p>
         </p:txBody>
@@ -3735,6 +4009,14 @@
 <file path=ppt/slides/slide7.xml><?xml version="1.0" encoding="utf-8"?>
 <p:sld xmlns:a="http://schemas.openxmlformats.org/drawingml/2006/main" xmlns:p="http://schemas.openxmlformats.org/presentationml/2006/main" xmlns:r="http://schemas.openxmlformats.org/officeDocument/2006/relationships">
   <p:cSld>
+    <p:bg>
+      <p:bgPr>
+        <a:solidFill>
+          <a:srgbClr val="FFFFFF"/>
+        </a:solidFill>
+        <a:effectLst/>
+      </p:bgPr>
+    </p:bg>
     <p:spTree>
       <p:nvGrpSpPr>
         <p:cNvPr id="1" name=""/>
@@ -3758,14 +4040,14 @@
           <a:lstStyle/>
           <a:p>
             <a:pPr algn="l">
-              <a:defRPr sz="3200" b="1">
-                <a:solidFill>
-                  <a:srgbClr val="000000"/>
-                </a:solidFill>
-              </a:defRPr>
-            </a:pPr>
-            <a:r>
-              <a:t>Deep Learning Frameworks and Future Outlook</a:t>
+              <a:defRPr b="1" sz="3200">
+                <a:solidFill>
+                  <a:srgbClr val="1E40AF"/>
+                </a:solidFill>
+              </a:defRPr>
+            </a:pPr>
+            <a:r>
+              <a:t>Applications of Deep Learning</a:t>
             </a:r>
           </a:p>
         </p:txBody>
@@ -3786,45 +4068,287 @@
           <a:lstStyle/>
           <a:p>
             <a:pPr>
-              <a:defRPr sz="2200">
-                <a:solidFill>
-                  <a:srgbClr val="003366"/>
-                </a:solidFill>
-              </a:defRPr>
-            </a:pPr>
-            <a:r>
-              <a:t>Popular frameworks include TensorFlow, PyTorch, Keras, Deeplearning4j, Caffe, and Microsoft Cognitive Toolkit.</a:t>
+              <a:spcAft>
+                <a:spcPts val="800"/>
+              </a:spcAft>
+              <a:defRPr sz="2000">
+                <a:solidFill>
+                  <a:srgbClr val="374151"/>
+                </a:solidFill>
+              </a:defRPr>
+            </a:pPr>
+            <a:r>
+              <a:t>Customer support: Realistic conversational bots.</a:t>
             </a:r>
           </a:p>
           <a:p>
             <a:pPr>
-              <a:defRPr sz="2200">
-                <a:solidFill>
-                  <a:srgbClr val="003366"/>
-                </a:solidFill>
-              </a:defRPr>
-            </a:pPr>
-            <a:r>
-              <a:t>Deep learning and AI are still in early stages, with vast potential for future development.</a:t>
+              <a:spcAft>
+                <a:spcPts val="800"/>
+              </a:spcAft>
+              <a:defRPr sz="2000">
+                <a:solidFill>
+                  <a:srgbClr val="374151"/>
+                </a:solidFill>
+              </a:defRPr>
+            </a:pPr>
+            <a:r>
+              <a:t>Medical care: Detecting cancer cells and analyzing MRI images.</a:t>
             </a:r>
           </a:p>
           <a:p>
             <a:pPr>
-              <a:defRPr sz="2200">
-                <a:solidFill>
-                  <a:srgbClr val="003366"/>
-                </a:solidFill>
-              </a:defRPr>
-            </a:pPr>
-            <a:r>
-              <a:t>Example: Hori's technology uses deep learning with computer vision to describe the world for the blind.</a:t>
-            </a:r>
-          </a:p>
+              <a:spcAft>
+                <a:spcPts val="800"/>
+              </a:spcAft>
+              <a:defRPr sz="2000">
+                <a:solidFill>
+                  <a:srgbClr val="374151"/>
+                </a:solidFill>
+              </a:defRPr>
+            </a:pPr>
+            <a:r>
+              <a:t>Self-driving cars: Companies like Apple, Tesla, and Nissan are developing this technology.</a:t>
+            </a:r>
+          </a:p>
+        </p:txBody>
+      </p:sp>
+    </p:spTree>
+  </p:cSld>
+  <p:clrMapOvr>
+    <a:masterClrMapping/>
+  </p:clrMapOvr>
+</p:sld>
+</file>
+
+<file path=ppt/slides/slide8.xml><?xml version="1.0" encoding="utf-8"?>
+<p:sld xmlns:a="http://schemas.openxmlformats.org/drawingml/2006/main" xmlns:p="http://schemas.openxmlformats.org/presentationml/2006/main" xmlns:r="http://schemas.openxmlformats.org/officeDocument/2006/relationships">
+  <p:cSld>
+    <p:bg>
+      <p:bgPr>
+        <a:solidFill>
+          <a:srgbClr val="FFFFFF"/>
+        </a:solidFill>
+        <a:effectLst/>
+      </p:bgPr>
+    </p:bg>
+    <p:spTree>
+      <p:nvGrpSpPr>
+        <p:cNvPr id="1" name=""/>
+        <p:cNvGrpSpPr/>
+        <p:nvPr/>
+      </p:nvGrpSpPr>
+      <p:grpSpPr/>
+      <p:sp>
+        <p:nvSpPr>
+          <p:cNvPr id="2" name="Title 1"/>
+          <p:cNvSpPr>
+            <a:spLocks noGrp="1"/>
+          </p:cNvSpPr>
+          <p:nvPr>
+            <p:ph type="title"/>
+          </p:nvPr>
+        </p:nvSpPr>
+        <p:spPr/>
+        <p:txBody>
+          <a:bodyPr/>
+          <a:lstStyle/>
+          <a:p>
+            <a:pPr algn="l">
+              <a:defRPr b="1" sz="3200">
+                <a:solidFill>
+                  <a:srgbClr val="1E40AF"/>
+                </a:solidFill>
+              </a:defRPr>
+            </a:pPr>
+            <a:r>
+              <a:t>Limitations of Deep Learning</a:t>
+            </a:r>
+          </a:p>
+        </p:txBody>
+      </p:sp>
+      <p:sp>
+        <p:nvSpPr>
+          <p:cNvPr id="3" name="Content Placeholder 2"/>
+          <p:cNvSpPr>
+            <a:spLocks noGrp="1"/>
+          </p:cNvSpPr>
+          <p:nvPr>
+            <p:ph idx="1"/>
+          </p:nvPr>
+        </p:nvSpPr>
+        <p:spPr/>
+        <p:txBody>
+          <a:bodyPr/>
+          <a:lstStyle/>
           <a:p>
             <a:pPr>
-              <a:defRPr sz="2200">
-                <a:solidFill>
-                  <a:srgbClr val="003366"/>
+              <a:spcAft>
+                <a:spcPts val="800"/>
+              </a:spcAft>
+              <a:defRPr sz="2000">
+                <a:solidFill>
+                  <a:srgbClr val="374151"/>
+                </a:solidFill>
+              </a:defRPr>
+            </a:pPr>
+            <a:r>
+              <a:t>Requires a massive volume of data for effective training.</a:t>
+            </a:r>
+          </a:p>
+          <a:p>
+            <a:pPr>
+              <a:spcAft>
+                <a:spcPts val="800"/>
+              </a:spcAft>
+              <a:defRPr sz="2000">
+                <a:solidFill>
+                  <a:srgbClr val="374151"/>
+                </a:solidFill>
+              </a:defRPr>
+            </a:pPr>
+            <a:r>
+              <a:t>Demands significant computational power, often requiring expensive GPUs.</a:t>
+            </a:r>
+          </a:p>
+          <a:p>
+            <a:pPr>
+              <a:spcAft>
+                <a:spcPts val="800"/>
+              </a:spcAft>
+              <a:defRPr sz="2000">
+                <a:solidFill>
+                  <a:srgbClr val="374151"/>
+                </a:solidFill>
+              </a:defRPr>
+            </a:pPr>
+            <a:r>
+              <a:t>Training deep neural networks can take hours or even months.</a:t>
+            </a:r>
+          </a:p>
+        </p:txBody>
+      </p:sp>
+    </p:spTree>
+  </p:cSld>
+  <p:clrMapOvr>
+    <a:masterClrMapping/>
+  </p:clrMapOvr>
+</p:sld>
+</file>
+
+<file path=ppt/slides/slide9.xml><?xml version="1.0" encoding="utf-8"?>
+<p:sld xmlns:a="http://schemas.openxmlformats.org/drawingml/2006/main" xmlns:p="http://schemas.openxmlformats.org/presentationml/2006/main" xmlns:r="http://schemas.openxmlformats.org/officeDocument/2006/relationships">
+  <p:cSld>
+    <p:bg>
+      <p:bgPr>
+        <a:solidFill>
+          <a:srgbClr val="FFFFFF"/>
+        </a:solidFill>
+        <a:effectLst/>
+      </p:bgPr>
+    </p:bg>
+    <p:spTree>
+      <p:nvGrpSpPr>
+        <p:cNvPr id="1" name=""/>
+        <p:cNvGrpSpPr/>
+        <p:nvPr/>
+      </p:nvGrpSpPr>
+      <p:grpSpPr/>
+      <p:sp>
+        <p:nvSpPr>
+          <p:cNvPr id="2" name="Title 1"/>
+          <p:cNvSpPr>
+            <a:spLocks noGrp="1"/>
+          </p:cNvSpPr>
+          <p:nvPr>
+            <p:ph type="title"/>
+          </p:nvPr>
+        </p:nvSpPr>
+        <p:spPr/>
+        <p:txBody>
+          <a:bodyPr/>
+          <a:lstStyle/>
+          <a:p>
+            <a:pPr algn="l">
+              <a:defRPr b="1" sz="3200">
+                <a:solidFill>
+                  <a:srgbClr val="1E40AF"/>
+                </a:solidFill>
+              </a:defRPr>
+            </a:pPr>
+            <a:r>
+              <a:t>Frameworks and Future Outlook</a:t>
+            </a:r>
+          </a:p>
+        </p:txBody>
+      </p:sp>
+      <p:sp>
+        <p:nvSpPr>
+          <p:cNvPr id="3" name="Content Placeholder 2"/>
+          <p:cNvSpPr>
+            <a:spLocks noGrp="1"/>
+          </p:cNvSpPr>
+          <p:nvPr>
+            <p:ph idx="1"/>
+          </p:nvPr>
+        </p:nvSpPr>
+        <p:spPr/>
+        <p:txBody>
+          <a:bodyPr/>
+          <a:lstStyle/>
+          <a:p>
+            <a:pPr>
+              <a:spcAft>
+                <a:spcPts val="800"/>
+              </a:spcAft>
+              <a:defRPr sz="2000">
+                <a:solidFill>
+                  <a:srgbClr val="374151"/>
+                </a:solidFill>
+              </a:defRPr>
+            </a:pPr>
+            <a:r>
+              <a:t>Popular deep learning frameworks include TensorFlow, PyTorch, Keras, and Caffe.</a:t>
+            </a:r>
+          </a:p>
+          <a:p>
+            <a:pPr>
+              <a:spcAft>
+                <a:spcPts val="800"/>
+              </a:spcAft>
+              <a:defRPr sz="2000">
+                <a:solidFill>
+                  <a:srgbClr val="374151"/>
+                </a:solidFill>
+              </a:defRPr>
+            </a:pPr>
+            <a:r>
+              <a:t>The field of deep learning and AI is still in its early stages.</a:t>
+            </a:r>
+          </a:p>
+          <a:p>
+            <a:pPr>
+              <a:spcAft>
+                <a:spcPts val="800"/>
+              </a:spcAft>
+              <a:defRPr sz="2000">
+                <a:solidFill>
+                  <a:srgbClr val="374151"/>
+                </a:solidFill>
+              </a:defRPr>
+            </a:pPr>
+            <a:r>
+              <a:t>Innovations like Horex Technology's device for the blind demonstrate future potential.</a:t>
+            </a:r>
+          </a:p>
+          <a:p>
+            <a:pPr>
+              <a:spcAft>
+                <a:spcPts val="800"/>
+              </a:spcAft>
+              <a:defRPr sz="2000">
+                <a:solidFill>
+                  <a:srgbClr val="374151"/>
                 </a:solidFill>
               </a:defRPr>
             </a:pPr>

--- a/outputs/slides/monil_Deep-Learning.pptx
+++ b/outputs/slides/monil_Deep-Learning.pptx
@@ -3128,7 +3128,7 @@
               </a:defRPr>
             </a:pPr>
             <a:r>
-              <a:t>Understanding Deep Learning</a:t>
+              <a:t>Deep Learning Explained</a:t>
             </a:r>
           </a:p>
         </p:txBody>
@@ -3156,7 +3156,7 @@
               </a:defRPr>
             </a:pPr>
             <a:r>
-              <a:t>Deep Learning • Machine Learning • Artificial Intelligence</a:t>
+              <a:t>Artificial Intelligence • Machine Learning • Deep Learning</a:t>
             </a:r>
           </a:p>
         </p:txBody>
@@ -3353,7 +3353,7 @@
               </a:defRPr>
             </a:pPr>
             <a:r>
-              <a:t>3. How Neural Networks Work</a:t>
+              <a:t>3. Working of Neural Networks</a:t>
             </a:r>
           </a:p>
           <a:p>
@@ -3483,7 +3483,7 @@
               </a:defRPr>
             </a:pPr>
             <a:r>
-              <a:t>Deep Learning</a:t>
+              <a:t>Artificial Intelligence</a:t>
             </a:r>
           </a:p>
           <a:p>
@@ -3513,7 +3513,7 @@
               </a:defRPr>
             </a:pPr>
             <a:r>
-              <a:t>Artificial Intelligence</a:t>
+              <a:t>Deep Learning</a:t>
             </a:r>
           </a:p>
           <a:p>
@@ -3543,7 +3543,7 @@
               </a:defRPr>
             </a:pPr>
             <a:r>
-              <a:t>Applications of Deep Learning</a:t>
+              <a:t>Applications</a:t>
             </a:r>
           </a:p>
           <a:p>
@@ -3558,7 +3558,7 @@
               </a:defRPr>
             </a:pPr>
             <a:r>
-              <a:t>Limitations of Deep Learning</a:t>
+              <a:t>Limitations</a:t>
             </a:r>
           </a:p>
           <a:p>
@@ -3573,7 +3573,7 @@
               </a:defRPr>
             </a:pPr>
             <a:r>
-              <a:t>Deep Learning Frameworks</a:t>
+              <a:t>Frameworks</a:t>
             </a:r>
           </a:p>
         </p:txBody>
@@ -3658,7 +3658,7 @@
               </a:defRPr>
             </a:pPr>
             <a:r>
-              <a:t>Deep learning powers features like Google Translate and image grouping.</a:t>
+              <a:t>Deep learning powers features like Google Translate and phone gallery image grouping.</a:t>
             </a:r>
           </a:p>
           <a:p>
@@ -3688,7 +3688,7 @@
               </a:defRPr>
             </a:pPr>
             <a:r>
-              <a:t>AI mimics human behavior, and ML achieves AI through data-trained algorithms.</a:t>
+              <a:t>AI mimics human behavior, ML achieves AI through algorithms, and DL is ML inspired by the human brain.</a:t>
             </a:r>
           </a:p>
           <a:p>
@@ -3703,7 +3703,7 @@
               </a:defRPr>
             </a:pPr>
             <a:r>
-              <a:t>Deep learning is inspired by the human brain's structure, called an artificial neural network.</a:t>
+              <a:t>Deep learning utilizes artificial neural networks.</a:t>
             </a:r>
           </a:p>
         </p:txBody>
@@ -3788,7 +3788,7 @@
               </a:defRPr>
             </a:pPr>
             <a:r>
-              <a:t>Example: Differentiating tomatoes and cherries.</a:t>
+              <a:t>Example: Differentiating between tomatoes and cherries.</a:t>
             </a:r>
           </a:p>
           <a:p>
@@ -3803,7 +3803,7 @@
               </a:defRPr>
             </a:pPr>
             <a:r>
-              <a:t>Machine learning requires humans to define features for differentiation (e.g., size, stem).</a:t>
+              <a:t>Machine learning requires explicit feature definition (e.g., size, stem type).</a:t>
             </a:r>
           </a:p>
           <a:p>
@@ -3833,7 +3833,7 @@
               </a:defRPr>
             </a:pPr>
             <a:r>
-              <a:t>Deep learning requires a significantly higher volume of data for training.</a:t>
+              <a:t>Deep learning demands a much higher volume of data for training.</a:t>
             </a:r>
           </a:p>
         </p:txBody>
@@ -3887,7 +3887,7 @@
               </a:defRPr>
             </a:pPr>
             <a:r>
-              <a:t>How Neural Networks Work</a:t>
+              <a:t>Working of Neural Networks</a:t>
             </a:r>
           </a:p>
         </p:txBody>
@@ -3918,7 +3918,7 @@
               </a:defRPr>
             </a:pPr>
             <a:r>
-              <a:t>Example: Recognizing handwritten digits (e.g., digit nine).</a:t>
+              <a:t>Neural networks can identify handwritten digits, represented as 28x28 pixel images.</a:t>
             </a:r>
           </a:p>
           <a:p>
@@ -3933,7 +3933,7 @@
               </a:defRPr>
             </a:pPr>
             <a:r>
-              <a:t>Images are broken into pixels (e.g., 28x28 pixels = 784 pixels).</a:t>
+              <a:t>Each pixel is fed to a neuron in the input layer.</a:t>
             </a:r>
           </a:p>
           <a:p>
@@ -3948,7 +3948,7 @@
               </a:defRPr>
             </a:pPr>
             <a:r>
-              <a:t>Each pixel feeds into a neuron in the input layer of the neural network.</a:t>
+              <a:t>Information is transferred through weighted channels and hidden layers to the output layer.</a:t>
             </a:r>
           </a:p>
           <a:p>
@@ -3963,7 +3963,7 @@
               </a:defRPr>
             </a:pPr>
             <a:r>
-              <a:t>Information passes through weighted channels between input, hidden, and output layers.</a:t>
+              <a:t>Bias is added to the weighted sum of inputs, then applied to an activation function.</a:t>
             </a:r>
           </a:p>
           <a:p>
@@ -3978,7 +3978,7 @@
               </a:defRPr>
             </a:pPr>
             <a:r>
-              <a:t>Bias is added to the weighted sum of inputs, then applied to an activation function.</a:t>
+              <a:t>Activated neurons pass information, leading to the identification of the input digit.</a:t>
             </a:r>
           </a:p>
           <a:p>
@@ -3993,7 +3993,7 @@
               </a:defRPr>
             </a:pPr>
             <a:r>
-              <a:t>Activated neurons pass information to subsequent layers until the output layer identifies the digit.</a:t>
+              <a:t>Weights and bias are continuously adjusted to train the network.</a:t>
             </a:r>
           </a:p>
         </p:txBody>
@@ -4108,7 +4108,7 @@
               </a:defRPr>
             </a:pPr>
             <a:r>
-              <a:t>Self-driving cars: Companies like Apple, Tesla, and Nissan are developing this technology.</a:t>
+              <a:t>Self-driving cars: A growing reality with companies like Apple, Tesla, and Nissan.</a:t>
             </a:r>
           </a:p>
         </p:txBody>
@@ -4193,7 +4193,7 @@
               </a:defRPr>
             </a:pPr>
             <a:r>
-              <a:t>Requires a massive volume of data for effective training.</a:t>
+              <a:t>Data: Requires a massive volume of data for effective training.</a:t>
             </a:r>
           </a:p>
           <a:p>
@@ -4208,7 +4208,7 @@
               </a:defRPr>
             </a:pPr>
             <a:r>
-              <a:t>Demands significant computational power, often requiring expensive GPUs.</a:t>
+              <a:t>Computational Power: Needs powerful and expensive Graphical Processing Units (GPUs).</a:t>
             </a:r>
           </a:p>
           <a:p>
@@ -4223,7 +4223,7 @@
               </a:defRPr>
             </a:pPr>
             <a:r>
-              <a:t>Training deep neural networks can take hours or even months.</a:t>
+              <a:t>Training Time: Can take hours or even months, increasing with data and network complexity.</a:t>
             </a:r>
           </a:p>
         </p:txBody>
@@ -4323,7 +4323,7 @@
               </a:defRPr>
             </a:pPr>
             <a:r>
-              <a:t>The field of deep learning and AI is still in its early stages.</a:t>
+              <a:t>The field of deep learning and AI is still in its early stages with vast future scope.</a:t>
             </a:r>
           </a:p>
           <a:p>
@@ -4338,7 +4338,7 @@
               </a:defRPr>
             </a:pPr>
             <a:r>
-              <a:t>Innovations like Horex Technology's device for the blind demonstrate future potential.</a:t>
+              <a:t>Innovations like devices for the blind using deep learning and computer vision are emerging.</a:t>
             </a:r>
           </a:p>
           <a:p>
@@ -4353,7 +4353,7 @@
               </a:defRPr>
             </a:pPr>
             <a:r>
-              <a:t>Replicating the human mind may soon move from science fiction to reality.</a:t>
+              <a:t>Replicating the human mind may soon move beyond science fiction.</a:t>
             </a:r>
           </a:p>
         </p:txBody>

--- a/outputs/slides/monil_Deep-Learning.pptx
+++ b/outputs/slides/monil_Deep-Learning.pptx
@@ -3128,7 +3128,7 @@
               </a:defRPr>
             </a:pPr>
             <a:r>
-              <a:t>Deep Learning Explained</a:t>
+              <a:t>Understanding Deep Learning</a:t>
             </a:r>
           </a:p>
         </p:txBody>
@@ -3156,7 +3156,7 @@
               </a:defRPr>
             </a:pPr>
             <a:r>
-              <a:t>Artificial Intelligence • Machine Learning • Deep Learning</a:t>
+              <a:t>Deep Learning • Machine Learning • Artificial Intelligence</a:t>
             </a:r>
           </a:p>
         </p:txBody>
@@ -3353,7 +3353,7 @@
               </a:defRPr>
             </a:pPr>
             <a:r>
-              <a:t>3. Working of Neural Networks</a:t>
+              <a:t>3. How Neural Networks Work</a:t>
             </a:r>
           </a:p>
           <a:p>
@@ -3483,7 +3483,7 @@
               </a:defRPr>
             </a:pPr>
             <a:r>
-              <a:t>Artificial Intelligence</a:t>
+              <a:t>Deep Learning</a:t>
             </a:r>
           </a:p>
           <a:p>
@@ -3513,7 +3513,7 @@
               </a:defRPr>
             </a:pPr>
             <a:r>
-              <a:t>Deep Learning</a:t>
+              <a:t>Artificial Intelligence</a:t>
             </a:r>
           </a:p>
           <a:p>
@@ -3658,7 +3658,7 @@
               </a:defRPr>
             </a:pPr>
             <a:r>
-              <a:t>Deep learning powers features like Google Translate and phone gallery image grouping.</a:t>
+              <a:t>Deep learning powers applications like web translation and image grouping.</a:t>
             </a:r>
           </a:p>
           <a:p>
@@ -3688,7 +3688,7 @@
               </a:defRPr>
             </a:pPr>
             <a:r>
-              <a:t>AI mimics human behavior, ML achieves AI through algorithms, and DL is ML inspired by the human brain.</a:t>
+              <a:t>AI mimics human behavior; ML achieves AI through data-trained algorithms.</a:t>
             </a:r>
           </a:p>
           <a:p>
@@ -3703,7 +3703,7 @@
               </a:defRPr>
             </a:pPr>
             <a:r>
-              <a:t>Deep learning utilizes artificial neural networks.</a:t>
+              <a:t>Deep learning is inspired by the human brain's structure, called an artificial neural network.</a:t>
             </a:r>
           </a:p>
         </p:txBody>
@@ -3788,7 +3788,7 @@
               </a:defRPr>
             </a:pPr>
             <a:r>
-              <a:t>Example: Differentiating between tomatoes and cherries.</a:t>
+              <a:t>Machine learning requires humans to explicitly define features for differentiation (e.g., size, stem).</a:t>
             </a:r>
           </a:p>
           <a:p>
@@ -3803,7 +3803,7 @@
               </a:defRPr>
             </a:pPr>
             <a:r>
-              <a:t>Machine learning requires explicit feature definition (e.g., size, stem type).</a:t>
+              <a:t>Deep learning's neural networks automatically pick out features without human intervention.</a:t>
             </a:r>
           </a:p>
           <a:p>
@@ -3818,22 +3818,7 @@
               </a:defRPr>
             </a:pPr>
             <a:r>
-              <a:t>Deep learning neural networks automatically pick out features without human intervention.</a:t>
-            </a:r>
-          </a:p>
-          <a:p>
-            <a:pPr>
-              <a:spcAft>
-                <a:spcPts val="800"/>
-              </a:spcAft>
-              <a:defRPr sz="2000">
-                <a:solidFill>
-                  <a:srgbClr val="374151"/>
-                </a:solidFill>
-              </a:defRPr>
-            </a:pPr>
-            <a:r>
-              <a:t>Deep learning demands a much higher volume of data for training.</a:t>
+              <a:t>This independence comes at the cost of requiring a much higher volume of training data.</a:t>
             </a:r>
           </a:p>
         </p:txBody>
@@ -3887,7 +3872,7 @@
               </a:defRPr>
             </a:pPr>
             <a:r>
-              <a:t>Working of Neural Networks</a:t>
+              <a:t>How Neural Networks Work</a:t>
             </a:r>
           </a:p>
         </p:txBody>
@@ -3918,7 +3903,7 @@
               </a:defRPr>
             </a:pPr>
             <a:r>
-              <a:t>Neural networks can identify handwritten digits, represented as 28x28 pixel images.</a:t>
+              <a:t>Neural networks are trained to identify complex patterns, such as handwritten digits.</a:t>
             </a:r>
           </a:p>
           <a:p>
@@ -3933,7 +3918,7 @@
               </a:defRPr>
             </a:pPr>
             <a:r>
-              <a:t>Each pixel is fed to a neuron in the input layer.</a:t>
+              <a:t>The input layer receives data (e.g., 784 pixels for a 28x28 image), feeding into neurons.</a:t>
             </a:r>
           </a:p>
           <a:p>
@@ -3948,7 +3933,7 @@
               </a:defRPr>
             </a:pPr>
             <a:r>
-              <a:t>Information is transferred through weighted channels and hidden layers to the output layer.</a:t>
+              <a:t>Information transfers between layers via weighted channels, with each neuron having a unique bias.</a:t>
             </a:r>
           </a:p>
           <a:p>
@@ -3963,7 +3948,7 @@
               </a:defRPr>
             </a:pPr>
             <a:r>
-              <a:t>Bias is added to the weighted sum of inputs, then applied to an activation function.</a:t>
+              <a:t>An activation function determines if a neuron activates and passes information to subsequent layers.</a:t>
             </a:r>
           </a:p>
           <a:p>
@@ -3978,7 +3963,7 @@
               </a:defRPr>
             </a:pPr>
             <a:r>
-              <a:t>Activated neurons pass information, leading to the identification of the input digit.</a:t>
+              <a:t>The activated neuron in the output layer corresponds to the identified input (e.g., a digit).</a:t>
             </a:r>
           </a:p>
           <a:p>
@@ -3993,7 +3978,7 @@
               </a:defRPr>
             </a:pPr>
             <a:r>
-              <a:t>Weights and bias are continuously adjusted to train the network.</a:t>
+              <a:t>Weights and biases are continuously adjusted during training to optimize the network.</a:t>
             </a:r>
           </a:p>
         </p:txBody>
@@ -4078,7 +4063,7 @@
               </a:defRPr>
             </a:pPr>
             <a:r>
-              <a:t>Customer support: Realistic conversational bots.</a:t>
+              <a:t>Customer support: Bots provide realistic conversations, often indistinguishable from humans.</a:t>
             </a:r>
           </a:p>
           <a:p>
@@ -4093,7 +4078,7 @@
               </a:defRPr>
             </a:pPr>
             <a:r>
-              <a:t>Medical care: Detecting cancer cells and analyzing MRI images.</a:t>
+              <a:t>Medical care: Neural networks detect cancer cells and analyze MRI images for detailed results.</a:t>
             </a:r>
           </a:p>
           <a:p>
@@ -4108,7 +4093,7 @@
               </a:defRPr>
             </a:pPr>
             <a:r>
-              <a:t>Self-driving cars: A growing reality with companies like Apple, Tesla, and Nissan.</a:t>
+              <a:t>Self-driving cars: Companies like Apple, Tesla, and Nissan are making this science fiction a reality.</a:t>
             </a:r>
           </a:p>
         </p:txBody>
@@ -4193,7 +4178,7 @@
               </a:defRPr>
             </a:pPr>
             <a:r>
-              <a:t>Data: Requires a massive volume of data for effective training.</a:t>
+              <a:t>Data volume: Requires a massive amount of data for training, especially for unstructured data.</a:t>
             </a:r>
           </a:p>
           <a:p>
@@ -4208,7 +4193,7 @@
               </a:defRPr>
             </a:pPr>
             <a:r>
-              <a:t>Computational Power: Needs powerful and expensive Graphical Processing Units (GPUs).</a:t>
+              <a:t>Computational power: Training demands expensive Graphical Processing Units (GPUs) with thousands of cores.</a:t>
             </a:r>
           </a:p>
           <a:p>
@@ -4223,7 +4208,7 @@
               </a:defRPr>
             </a:pPr>
             <a:r>
-              <a:t>Training Time: Can take hours or even months, increasing with data and network complexity.</a:t>
+              <a:t>Training time: Deep neural networks can take hours or even months to train, increasing with data and layers.</a:t>
             </a:r>
           </a:p>
         </p:txBody>
@@ -4323,7 +4308,7 @@
               </a:defRPr>
             </a:pPr>
             <a:r>
-              <a:t>The field of deep learning and AI is still in its early stages with vast future scope.</a:t>
+              <a:t>The field is still in its early stages, with vast untapped potential.</a:t>
             </a:r>
           </a:p>
           <a:p>
